--- a/pdf/통합 구현(송윤정).pptx
+++ b/pdf/통합 구현(송윤정).pptx
@@ -3061,14 +3061,7 @@
                 <a:latin typeface="Malgun Gothic"/>
                 <a:cs typeface="Malgun Gothic"/>
               </a:rPr>
-              <a:t>배경과 폰트 컬러에 </a:t>
-            </a:r>
-            <a:r>
-              <a:rPr lang="ko-KR" altLang="en-US" sz="1200" dirty="0" smtClean="0">
-                <a:latin typeface="Malgun Gothic"/>
-                <a:cs typeface="Malgun Gothic"/>
-              </a:rPr>
-              <a:t>변화를 주어</a:t>
+              <a:t>배경과 폰트 컬러에 변화를 주어</a:t>
             </a:r>
             <a:endParaRPr lang="en-US" altLang="ko-KR" sz="1200" dirty="0" smtClean="0">
               <a:latin typeface="Malgun Gothic"/>
@@ -5955,7 +5948,7 @@
         <p:spPr>
           <a:xfrm>
             <a:off x="6019800" y="4419600"/>
-            <a:ext cx="4152900" cy="789960"/>
+            <a:ext cx="4724400" cy="394980"/>
           </a:xfrm>
           <a:prstGeom prst="rect">
             <a:avLst/>
@@ -5980,12 +5973,36 @@
                 <a:latin typeface="Malgun Gothic"/>
                 <a:cs typeface="Malgun Gothic"/>
               </a:rPr>
-              <a:t>탭과 시트에 동일한 숫자의 아이디를 주어</a:t>
-            </a:r>
-            <a:endParaRPr lang="en-US" altLang="ko-KR" sz="1200" dirty="0" smtClean="0">
-              <a:latin typeface="Malgun Gothic"/>
-              <a:cs typeface="Malgun Gothic"/>
-            </a:endParaRPr>
+              <a:t>탭과 시트에 동일한 숫자의 아이디를 </a:t>
+            </a:r>
+            <a:r>
+              <a:rPr lang="ko-KR" altLang="en-US" sz="1200" dirty="0" smtClean="0">
+                <a:latin typeface="Malgun Gothic"/>
+                <a:cs typeface="Malgun Gothic"/>
+              </a:rPr>
+              <a:t>주어 </a:t>
+            </a:r>
+            <a:r>
+              <a:rPr lang="en-US" altLang="ko-KR" sz="1200" dirty="0" smtClean="0">
+                <a:latin typeface="Malgun Gothic"/>
+                <a:cs typeface="Malgun Gothic"/>
+              </a:rPr>
+              <a:t>aside</a:t>
+            </a:r>
+            <a:r>
+              <a:rPr lang="ko-KR" altLang="en-US" sz="1200" dirty="0" smtClean="0">
+                <a:latin typeface="Malgun Gothic"/>
+                <a:cs typeface="Malgun Gothic"/>
+              </a:rPr>
+              <a:t>를 구현했습니다</a:t>
+            </a:r>
+            <a:r>
+              <a:rPr lang="en-US" altLang="ko-KR" sz="1200" dirty="0" smtClean="0">
+                <a:latin typeface="Malgun Gothic"/>
+                <a:cs typeface="Malgun Gothic"/>
+              </a:rPr>
+              <a:t>.</a:t>
+            </a:r>
           </a:p>
           <a:p>
             <a:pPr marL="12700" marR="5080">
@@ -6001,119 +6018,54 @@
                 <a:latin typeface="Malgun Gothic"/>
                 <a:cs typeface="Malgun Gothic"/>
               </a:rPr>
-              <a:t>aside</a:t>
+              <a:t>1</a:t>
             </a:r>
             <a:r>
               <a:rPr lang="ko-KR" altLang="en-US" sz="1200" dirty="0" smtClean="0">
                 <a:latin typeface="Malgun Gothic"/>
                 <a:cs typeface="Malgun Gothic"/>
               </a:rPr>
-              <a:t>를 구현했습니다</a:t>
+              <a:t>번 탭을 클릭하면 </a:t>
             </a:r>
             <a:r>
               <a:rPr lang="en-US" altLang="ko-KR" sz="1200" dirty="0" smtClean="0">
                 <a:latin typeface="Malgun Gothic"/>
                 <a:cs typeface="Malgun Gothic"/>
               </a:rPr>
+              <a:t>1</a:t>
+            </a:r>
+            <a:r>
+              <a:rPr lang="ko-KR" altLang="en-US" sz="1200" dirty="0" smtClean="0">
+                <a:latin typeface="Malgun Gothic"/>
+                <a:cs typeface="Malgun Gothic"/>
+              </a:rPr>
+              <a:t>번 시트가 </a:t>
+            </a:r>
+            <a:r>
+              <a:rPr lang="en-US" altLang="ko-KR" sz="1200" dirty="0" err="1" smtClean="0">
+                <a:latin typeface="Malgun Gothic"/>
+                <a:cs typeface="Malgun Gothic"/>
+              </a:rPr>
+              <a:t>slideDown</a:t>
+            </a:r>
+            <a:r>
+              <a:rPr lang="ko-KR" altLang="en-US" sz="1200" dirty="0" smtClean="0">
+                <a:latin typeface="Malgun Gothic"/>
+                <a:cs typeface="Malgun Gothic"/>
+              </a:rPr>
+              <a:t>됩니다</a:t>
+            </a:r>
+            <a:r>
+              <a:rPr lang="en-US" altLang="ko-KR" sz="1200" dirty="0" smtClean="0">
+                <a:latin typeface="Malgun Gothic"/>
+                <a:cs typeface="Malgun Gothic"/>
+              </a:rPr>
               <a:t>.</a:t>
             </a:r>
-          </a:p>
-          <a:p>
-            <a:pPr marL="12700" marR="5080">
-              <a:lnSpc>
-                <a:spcPct val="100000"/>
-              </a:lnSpc>
-              <a:spcBef>
-                <a:spcPts val="100"/>
-              </a:spcBef>
-            </a:pPr>
-            <a:r>
-              <a:rPr lang="en-US" altLang="ko-KR" sz="1200" dirty="0" smtClean="0">
-                <a:latin typeface="Malgun Gothic"/>
-                <a:cs typeface="Malgun Gothic"/>
-              </a:rPr>
-              <a:t>1</a:t>
-            </a:r>
-            <a:r>
-              <a:rPr lang="ko-KR" altLang="en-US" sz="1200" dirty="0" smtClean="0">
-                <a:latin typeface="Malgun Gothic"/>
-                <a:cs typeface="Malgun Gothic"/>
-              </a:rPr>
-              <a:t>번 탭을 클릭하면 </a:t>
-            </a:r>
-            <a:r>
-              <a:rPr lang="en-US" altLang="ko-KR" sz="1200" dirty="0" smtClean="0">
-                <a:latin typeface="Malgun Gothic"/>
-                <a:cs typeface="Malgun Gothic"/>
-              </a:rPr>
-              <a:t>1</a:t>
-            </a:r>
-            <a:r>
-              <a:rPr lang="ko-KR" altLang="en-US" sz="1200" dirty="0" smtClean="0">
-                <a:latin typeface="Malgun Gothic"/>
-                <a:cs typeface="Malgun Gothic"/>
-              </a:rPr>
-              <a:t>번 시트가 </a:t>
-            </a:r>
-            <a:r>
-              <a:rPr lang="en-US" altLang="ko-KR" sz="1200" dirty="0" err="1" smtClean="0">
-                <a:latin typeface="Malgun Gothic"/>
-                <a:cs typeface="Malgun Gothic"/>
-              </a:rPr>
-              <a:t>slideDown</a:t>
-            </a:r>
-            <a:r>
-              <a:rPr lang="ko-KR" altLang="en-US" sz="1200" dirty="0" smtClean="0">
-                <a:latin typeface="Malgun Gothic"/>
-                <a:cs typeface="Malgun Gothic"/>
-              </a:rPr>
-              <a:t>됩니다</a:t>
-            </a:r>
-            <a:r>
-              <a:rPr lang="en-US" altLang="ko-KR" sz="1200" dirty="0" smtClean="0">
-                <a:latin typeface="Malgun Gothic"/>
-                <a:cs typeface="Malgun Gothic"/>
-              </a:rPr>
-              <a:t>.</a:t>
-            </a:r>
-          </a:p>
-          <a:p>
-            <a:pPr marL="12700" marR="5080">
-              <a:lnSpc>
-                <a:spcPct val="100000"/>
-              </a:lnSpc>
-              <a:spcBef>
-                <a:spcPts val="100"/>
-              </a:spcBef>
-            </a:pPr>
-            <a:r>
-              <a:rPr lang="ko-KR" altLang="en-US" sz="1200" dirty="0" smtClean="0">
-                <a:latin typeface="Malgun Gothic"/>
-                <a:cs typeface="Malgun Gothic"/>
-              </a:rPr>
-              <a:t>이미 선택된 탭이 있다면 그 시트는 </a:t>
-            </a:r>
-            <a:r>
-              <a:rPr lang="en-US" altLang="ko-KR" sz="1200" dirty="0" err="1" smtClean="0">
-                <a:latin typeface="Malgun Gothic"/>
-                <a:cs typeface="Malgun Gothic"/>
-              </a:rPr>
-              <a:t>slideUp</a:t>
-            </a:r>
-            <a:r>
-              <a:rPr lang="ko-KR" altLang="en-US" sz="1200" dirty="0" smtClean="0">
-                <a:latin typeface="Malgun Gothic"/>
-                <a:cs typeface="Malgun Gothic"/>
-              </a:rPr>
-              <a:t>되어 숨겨집니다</a:t>
-            </a:r>
-            <a:r>
-              <a:rPr lang="en-US" altLang="ko-KR" sz="1200" dirty="0" smtClean="0">
-                <a:latin typeface="Malgun Gothic"/>
-                <a:cs typeface="Malgun Gothic"/>
-              </a:rPr>
-              <a:t>.</a:t>
-            </a:r>
+            <a:endParaRPr lang="en-US" altLang="ko-KR" sz="1200" dirty="0" smtClean="0">
+              <a:latin typeface="Malgun Gothic"/>
+              <a:cs typeface="Malgun Gothic"/>
+            </a:endParaRPr>
           </a:p>
         </p:txBody>
       </p:sp>
